--- a/Documents/Assign#3/Presentation.pptx
+++ b/Documents/Assign#3/Presentation.pptx
@@ -199,7 +199,7 @@
           <a:p>
             <a:fld id="{437C3E7C-4692-154B-8AB1-F348569E281C}" type="datetimeFigureOut">
               <a:rPr lang="en-US" smtClean="0"/>
-              <a:t>7/16/13</a:t>
+              <a:t>7/17/13</a:t>
             </a:fld>
             <a:endParaRPr lang="en-US"/>
           </a:p>
@@ -1339,7 +1339,7 @@
           <a:p>
             <a:fld id="{AA4CDE3C-BD7D-9942-B7A6-90608BB1F91F}" type="datetimeFigureOut">
               <a:rPr lang="en-US" smtClean="0"/>
-              <a:t>7/16/13</a:t>
+              <a:t>7/17/13</a:t>
             </a:fld>
             <a:endParaRPr lang="en-US"/>
           </a:p>
@@ -1509,7 +1509,7 @@
           <a:p>
             <a:fld id="{AA4CDE3C-BD7D-9942-B7A6-90608BB1F91F}" type="datetimeFigureOut">
               <a:rPr lang="en-US" smtClean="0"/>
-              <a:t>7/16/13</a:t>
+              <a:t>7/17/13</a:t>
             </a:fld>
             <a:endParaRPr lang="en-US"/>
           </a:p>
@@ -1689,7 +1689,7 @@
           <a:p>
             <a:fld id="{AA4CDE3C-BD7D-9942-B7A6-90608BB1F91F}" type="datetimeFigureOut">
               <a:rPr lang="en-US" smtClean="0"/>
-              <a:t>7/16/13</a:t>
+              <a:t>7/17/13</a:t>
             </a:fld>
             <a:endParaRPr lang="en-US"/>
           </a:p>
@@ -1859,7 +1859,7 @@
           <a:p>
             <a:fld id="{AA4CDE3C-BD7D-9942-B7A6-90608BB1F91F}" type="datetimeFigureOut">
               <a:rPr lang="en-US" smtClean="0"/>
-              <a:t>7/16/13</a:t>
+              <a:t>7/17/13</a:t>
             </a:fld>
             <a:endParaRPr lang="en-US"/>
           </a:p>
@@ -2105,7 +2105,7 @@
           <a:p>
             <a:fld id="{AA4CDE3C-BD7D-9942-B7A6-90608BB1F91F}" type="datetimeFigureOut">
               <a:rPr lang="en-US" smtClean="0"/>
-              <a:t>7/16/13</a:t>
+              <a:t>7/17/13</a:t>
             </a:fld>
             <a:endParaRPr lang="en-US"/>
           </a:p>
@@ -2393,7 +2393,7 @@
           <a:p>
             <a:fld id="{AA4CDE3C-BD7D-9942-B7A6-90608BB1F91F}" type="datetimeFigureOut">
               <a:rPr lang="en-US" smtClean="0"/>
-              <a:t>7/16/13</a:t>
+              <a:t>7/17/13</a:t>
             </a:fld>
             <a:endParaRPr lang="en-US"/>
           </a:p>
@@ -2815,7 +2815,7 @@
           <a:p>
             <a:fld id="{AA4CDE3C-BD7D-9942-B7A6-90608BB1F91F}" type="datetimeFigureOut">
               <a:rPr lang="en-US" smtClean="0"/>
-              <a:t>7/16/13</a:t>
+              <a:t>7/17/13</a:t>
             </a:fld>
             <a:endParaRPr lang="en-US"/>
           </a:p>
@@ -2933,7 +2933,7 @@
           <a:p>
             <a:fld id="{AA4CDE3C-BD7D-9942-B7A6-90608BB1F91F}" type="datetimeFigureOut">
               <a:rPr lang="en-US" smtClean="0"/>
-              <a:t>7/16/13</a:t>
+              <a:t>7/17/13</a:t>
             </a:fld>
             <a:endParaRPr lang="en-US"/>
           </a:p>
@@ -3028,7 +3028,7 @@
           <a:p>
             <a:fld id="{AA4CDE3C-BD7D-9942-B7A6-90608BB1F91F}" type="datetimeFigureOut">
               <a:rPr lang="en-US" smtClean="0"/>
-              <a:t>7/16/13</a:t>
+              <a:t>7/17/13</a:t>
             </a:fld>
             <a:endParaRPr lang="en-US"/>
           </a:p>
@@ -3305,7 +3305,7 @@
           <a:p>
             <a:fld id="{AA4CDE3C-BD7D-9942-B7A6-90608BB1F91F}" type="datetimeFigureOut">
               <a:rPr lang="en-US" smtClean="0"/>
-              <a:t>7/16/13</a:t>
+              <a:t>7/17/13</a:t>
             </a:fld>
             <a:endParaRPr lang="en-US"/>
           </a:p>
@@ -3558,7 +3558,7 @@
           <a:p>
             <a:fld id="{AA4CDE3C-BD7D-9942-B7A6-90608BB1F91F}" type="datetimeFigureOut">
               <a:rPr lang="en-US" smtClean="0"/>
-              <a:t>7/16/13</a:t>
+              <a:t>7/17/13</a:t>
             </a:fld>
             <a:endParaRPr lang="en-US"/>
           </a:p>
@@ -3771,7 +3771,7 @@
           <a:p>
             <a:fld id="{AA4CDE3C-BD7D-9942-B7A6-90608BB1F91F}" type="datetimeFigureOut">
               <a:rPr lang="en-US" smtClean="0"/>
-              <a:t>7/16/13</a:t>
+              <a:t>7/17/13</a:t>
             </a:fld>
             <a:endParaRPr lang="en-US"/>
           </a:p>
@@ -4397,13 +4397,8 @@
           <a:p>
             <a:r>
               <a:rPr lang="en-US" sz="2200" b="1" dirty="0" smtClean="0"/>
-              <a:t>System </a:t>
-            </a:r>
-            <a:r>
-              <a:rPr lang="en-US" sz="2200" b="1" dirty="0" smtClean="0"/>
-              <a:t>Scope </a:t>
-            </a:r>
-            <a:endParaRPr lang="en-US" sz="2200" b="1" dirty="0" smtClean="0"/>
+              <a:t>System Scope </a:t>
+            </a:r>
           </a:p>
           <a:p>
             <a:endParaRPr lang="en-US" dirty="0"/>
@@ -4625,18 +4620,10 @@
             <a:r>
               <a:rPr lang="en-US" dirty="0" smtClean="0">
                 <a:solidFill>
-                  <a:srgbClr val="FF0000"/>
+                  <a:srgbClr val="000000"/>
                 </a:solidFill>
               </a:rPr>
-              <a:t>Remote </a:t>
-            </a:r>
-            <a:r>
-              <a:rPr lang="en-US" dirty="0" smtClean="0">
-                <a:solidFill>
-                  <a:srgbClr val="FF0000"/>
-                </a:solidFill>
-              </a:rPr>
-              <a:t>Procedure </a:t>
+              <a:t>Remote Procedure </a:t>
             </a:r>
             <a:r>
               <a:rPr lang="en-US" dirty="0" smtClean="0"/>
@@ -4651,14 +4638,22 @@
             <a:r>
               <a:rPr lang="en-US" dirty="0" err="1" smtClean="0">
                 <a:solidFill>
-                  <a:srgbClr val="FF0000"/>
+                  <a:srgbClr val="000000"/>
                 </a:solidFill>
               </a:rPr>
               <a:t>BCrypt</a:t>
             </a:r>
             <a:r>
-              <a:rPr lang="en-US" dirty="0" smtClean="0"/>
-              <a:t>  framework</a:t>
+              <a:rPr lang="en-US" dirty="0" smtClean="0">
+                <a:solidFill>
+                  <a:srgbClr val="000000"/>
+                </a:solidFill>
+              </a:rPr>
+              <a:t>  </a:t>
+            </a:r>
+            <a:r>
+              <a:rPr lang="en-US" dirty="0" smtClean="0"/>
+              <a:t>framework</a:t>
             </a:r>
           </a:p>
           <a:p>
@@ -4685,17 +4680,33 @@
               <a:buChar char="-"/>
             </a:pPr>
             <a:r>
-              <a:rPr lang="en-US" dirty="0" smtClean="0">
-                <a:solidFill>
-                  <a:srgbClr val="FF0000"/>
-                </a:solidFill>
-              </a:rPr>
-              <a:t>Google Web Toolkit Visualizations </a:t>
-            </a:r>
-            <a:r>
-              <a:rPr lang="en-US" dirty="0" smtClean="0"/>
-              <a:t>API  </a:t>
-            </a:r>
+              <a:rPr lang="en-US" dirty="0" smtClean="0"/>
+              <a:t>Google Web Toolkit Visualizations API </a:t>
+            </a:r>
+            <a:endParaRPr lang="en-US" dirty="0" smtClean="0"/>
+          </a:p>
+          <a:p>
+            <a:pPr marL="285750" indent="-285750">
+              <a:buFontTx/>
+              <a:buChar char="-"/>
+            </a:pPr>
+            <a:r>
+              <a:rPr lang="en-US" dirty="0" smtClean="0"/>
+              <a:t>Google Web </a:t>
+            </a:r>
+            <a:r>
+              <a:rPr lang="en-US" dirty="0" err="1" smtClean="0"/>
+              <a:t>Tookit</a:t>
+            </a:r>
+            <a:r>
+              <a:rPr lang="en-US" dirty="0" smtClean="0"/>
+              <a:t> Framework</a:t>
+            </a:r>
+            <a:r>
+              <a:rPr lang="en-US" dirty="0" smtClean="0"/>
+              <a:t> </a:t>
+            </a:r>
+            <a:endParaRPr lang="en-US" dirty="0" smtClean="0"/>
           </a:p>
           <a:p>
             <a:endParaRPr lang="en-US" dirty="0"/>
@@ -4998,37 +5009,22 @@
             <a:pPr lvl="2"/>
             <a:r>
               <a:rPr lang="en-US" dirty="0" smtClean="0"/>
-              <a:t>Food Log </a:t>
-            </a:r>
-            <a:r>
-              <a:rPr lang="en-US" dirty="0" smtClean="0"/>
-              <a:t>&lt;&lt;component&gt;&gt;</a:t>
-            </a:r>
-            <a:endParaRPr lang="en-US" dirty="0" smtClean="0"/>
+              <a:t>Food Log &lt;&lt;component&gt;&gt;</a:t>
+            </a:r>
           </a:p>
           <a:p>
             <a:pPr lvl="2"/>
             <a:r>
               <a:rPr lang="en-US" dirty="0" smtClean="0"/>
-              <a:t>Calorie Graph </a:t>
-            </a:r>
-            <a:r>
-              <a:rPr lang="en-US" dirty="0" smtClean="0"/>
-              <a:t>&lt;&lt;component&gt;&gt;</a:t>
-            </a:r>
-            <a:endParaRPr lang="en-US" dirty="0" smtClean="0"/>
+              <a:t>Calorie Graph &lt;&lt;component&gt;&gt;</a:t>
+            </a:r>
           </a:p>
           <a:p>
             <a:pPr lvl="2"/>
             <a:r>
               <a:rPr lang="en-US" dirty="0" smtClean="0"/>
-              <a:t>Leader Board </a:t>
-            </a:r>
-            <a:r>
-              <a:rPr lang="en-US" dirty="0" smtClean="0"/>
-              <a:t>&lt;&lt;component&gt;&gt;</a:t>
-            </a:r>
-            <a:endParaRPr lang="en-US" dirty="0" smtClean="0"/>
+              <a:t>Leader Board &lt;&lt;component&gt;&gt;</a:t>
+            </a:r>
           </a:p>
           <a:p>
             <a:pPr lvl="1"/>
@@ -5226,6 +5222,48 @@
             </a:br>
             <a:r>
               <a:rPr lang="en-US" dirty="0" smtClean="0"/>
+              <a:t/>
+            </a:r>
+            <a:br>
+              <a:rPr lang="en-US" dirty="0" smtClean="0"/>
+            </a:br>
+            <a:r>
+              <a:rPr lang="en-US" dirty="0"/>
+              <a:t/>
+            </a:r>
+            <a:br>
+              <a:rPr lang="en-US" dirty="0"/>
+            </a:br>
+            <a:r>
+              <a:rPr lang="en-US" dirty="0" smtClean="0"/>
+              <a:t/>
+            </a:r>
+            <a:br>
+              <a:rPr lang="en-US" dirty="0" smtClean="0"/>
+            </a:br>
+            <a:r>
+              <a:rPr lang="en-US" dirty="0"/>
+              <a:t/>
+            </a:r>
+            <a:br>
+              <a:rPr lang="en-US" dirty="0"/>
+            </a:br>
+            <a:r>
+              <a:rPr lang="en-US" dirty="0" smtClean="0"/>
+              <a:t/>
+            </a:r>
+            <a:br>
+              <a:rPr lang="en-US" dirty="0" smtClean="0"/>
+            </a:br>
+            <a:r>
+              <a:rPr lang="en-US" dirty="0"/>
+              <a:t/>
+            </a:r>
+            <a:br>
+              <a:rPr lang="en-US" dirty="0"/>
+            </a:br>
+            <a:r>
+              <a:rPr lang="en-US" dirty="0" smtClean="0"/>
               <a:t>Control </a:t>
             </a:r>
             <a:r>
@@ -5240,25 +5278,6 @@
               <a:rPr lang="en-US" dirty="0" smtClean="0"/>
             </a:br>
             <a:endParaRPr lang="en-US" dirty="0"/>
-          </a:p>
-        </p:txBody>
-      </p:sp>
-      <p:sp>
-        <p:nvSpPr>
-          <p:cNvPr id="3" name="Content Placeholder 2"/>
-          <p:cNvSpPr>
-            <a:spLocks noGrp="1"/>
-          </p:cNvSpPr>
-          <p:nvPr>
-            <p:ph idx="1"/>
-          </p:nvPr>
-        </p:nvSpPr>
-        <p:spPr/>
-        <p:txBody>
-          <a:bodyPr/>
-          <a:lstStyle/>
-          <a:p>
-            <a:endParaRPr lang="en-US"/>
           </a:p>
         </p:txBody>
       </p:sp>

--- a/Documents/Assign#3/Presentation.pptx
+++ b/Documents/Assign#3/Presentation.pptx
@@ -5,7 +5,7 @@
     <p:sldMasterId id="2147483660" r:id="rId1"/>
   </p:sldMasterIdLst>
   <p:notesMasterIdLst>
-    <p:notesMasterId r:id="rId10"/>
+    <p:notesMasterId r:id="rId15"/>
   </p:notesMasterIdLst>
   <p:sldIdLst>
     <p:sldId id="256" r:id="rId2"/>
@@ -16,6 +16,11 @@
     <p:sldId id="259" r:id="rId7"/>
     <p:sldId id="267" r:id="rId8"/>
     <p:sldId id="260" r:id="rId9"/>
+    <p:sldId id="271" r:id="rId10"/>
+    <p:sldId id="268" r:id="rId11"/>
+    <p:sldId id="272" r:id="rId12"/>
+    <p:sldId id="269" r:id="rId13"/>
+    <p:sldId id="270" r:id="rId14"/>
   </p:sldIdLst>
   <p:sldSz cx="9144000" cy="6858000" type="screen4x3"/>
   <p:notesSz cx="6858000" cy="9144000"/>
@@ -199,7 +204,7 @@
           <a:p>
             <a:fld id="{437C3E7C-4692-154B-8AB1-F348569E281C}" type="datetimeFigureOut">
               <a:rPr lang="en-US" smtClean="0"/>
-              <a:t>7/17/13</a:t>
+              <a:t>7/18/13</a:t>
             </a:fld>
             <a:endParaRPr lang="en-US"/>
           </a:p>
@@ -511,6 +516,43 @@
           <a:bodyPr/>
           <a:lstStyle/>
           <a:p>
+            <a:r>
+              <a:rPr lang="en-US" dirty="0" smtClean="0"/>
+              <a:t>Has three options within</a:t>
+            </a:r>
+            <a:r>
+              <a:rPr lang="en-US" baseline="0" dirty="0" smtClean="0"/>
+              <a:t> the application</a:t>
+            </a:r>
+            <a:r>
+              <a:rPr lang="en-US" dirty="0" smtClean="0"/>
+              <a:t>, limited</a:t>
+            </a:r>
+            <a:r>
+              <a:rPr lang="en-US" baseline="0" dirty="0" smtClean="0"/>
+              <a:t> to data items in the database although the database has more than 3000 data entries consisting of a wide variety of food groups. Additionally to use certain features of the application the user must have a </a:t>
+            </a:r>
+            <a:r>
+              <a:rPr lang="en-US" baseline="0" dirty="0" err="1" smtClean="0"/>
+              <a:t>facebook</a:t>
+            </a:r>
+            <a:r>
+              <a:rPr lang="en-US" baseline="0" dirty="0" smtClean="0"/>
+              <a:t> account already in place. </a:t>
+            </a:r>
+          </a:p>
+          <a:p>
+            <a:endParaRPr lang="en-US" baseline="0" dirty="0" smtClean="0"/>
+          </a:p>
+          <a:p>
+            <a:r>
+              <a:rPr lang="en-US" baseline="0" dirty="0" smtClean="0"/>
+              <a:t>In terms of design architecture the architectural scope is </a:t>
+            </a:r>
+            <a:r>
+              <a:rPr lang="en-US" baseline="0" smtClean="0"/>
+              <a:t>client server. </a:t>
+            </a:r>
             <a:endParaRPr lang="en-US" dirty="0"/>
           </a:p>
         </p:txBody>
@@ -1149,6 +1191,98 @@
     <p:extLst>
       <p:ext uri="{BB962C8B-B14F-4D97-AF65-F5344CB8AC3E}">
         <p14:creationId xmlns:p14="http://schemas.microsoft.com/office/powerpoint/2010/main" val="1687595366"/>
+      </p:ext>
+    </p:extLst>
+  </p:cSld>
+  <p:clrMapOvr>
+    <a:masterClrMapping/>
+  </p:clrMapOvr>
+</p:notes>
+</file>
+
+<file path=ppt/notesSlides/notesSlide7.xml><?xml version="1.0" encoding="utf-8"?>
+<p:notes xmlns:a="http://schemas.openxmlformats.org/drawingml/2006/main" xmlns:r="http://schemas.openxmlformats.org/officeDocument/2006/relationships" xmlns:p="http://schemas.openxmlformats.org/presentationml/2006/main">
+  <p:cSld>
+    <p:spTree>
+      <p:nvGrpSpPr>
+        <p:cNvPr id="1" name=""/>
+        <p:cNvGrpSpPr/>
+        <p:nvPr/>
+      </p:nvGrpSpPr>
+      <p:grpSpPr>
+        <a:xfrm>
+          <a:off x="0" y="0"/>
+          <a:ext cx="0" cy="0"/>
+          <a:chOff x="0" y="0"/>
+          <a:chExt cx="0" cy="0"/>
+        </a:xfrm>
+      </p:grpSpPr>
+      <p:sp>
+        <p:nvSpPr>
+          <p:cNvPr id="2" name="Slide Image Placeholder 1"/>
+          <p:cNvSpPr>
+            <a:spLocks noGrp="1" noRot="1" noChangeAspect="1"/>
+          </p:cNvSpPr>
+          <p:nvPr>
+            <p:ph type="sldImg"/>
+          </p:nvPr>
+        </p:nvSpPr>
+        <p:spPr/>
+      </p:sp>
+      <p:sp>
+        <p:nvSpPr>
+          <p:cNvPr id="3" name="Notes Placeholder 2"/>
+          <p:cNvSpPr>
+            <a:spLocks noGrp="1"/>
+          </p:cNvSpPr>
+          <p:nvPr>
+            <p:ph type="body" idx="1"/>
+          </p:nvPr>
+        </p:nvSpPr>
+        <p:spPr/>
+        <p:txBody>
+          <a:bodyPr/>
+          <a:lstStyle/>
+          <a:p>
+            <a:r>
+              <a:rPr lang="en-US" dirty="0" smtClean="0"/>
+              <a:t>Example of asynchronous</a:t>
+            </a:r>
+            <a:r>
+              <a:rPr lang="en-US" baseline="0" dirty="0" smtClean="0"/>
+              <a:t> RMPS callback </a:t>
+            </a:r>
+            <a:endParaRPr lang="en-US" dirty="0"/>
+          </a:p>
+        </p:txBody>
+      </p:sp>
+      <p:sp>
+        <p:nvSpPr>
+          <p:cNvPr id="4" name="Slide Number Placeholder 3"/>
+          <p:cNvSpPr>
+            <a:spLocks noGrp="1"/>
+          </p:cNvSpPr>
+          <p:nvPr>
+            <p:ph type="sldNum" sz="quarter" idx="10"/>
+          </p:nvPr>
+        </p:nvSpPr>
+        <p:spPr/>
+        <p:txBody>
+          <a:bodyPr/>
+          <a:lstStyle/>
+          <a:p>
+            <a:fld id="{0723DB72-385B-B246-AE63-022B51CDEAD8}" type="slidenum">
+              <a:rPr lang="en-US" smtClean="0"/>
+              <a:t>10</a:t>
+            </a:fld>
+            <a:endParaRPr lang="en-US"/>
+          </a:p>
+        </p:txBody>
+      </p:sp>
+    </p:spTree>
+    <p:extLst>
+      <p:ext uri="{BB962C8B-B14F-4D97-AF65-F5344CB8AC3E}">
+        <p14:creationId xmlns:p14="http://schemas.microsoft.com/office/powerpoint/2010/main" val="198915834"/>
       </p:ext>
     </p:extLst>
   </p:cSld>
@@ -1339,7 +1473,7 @@
           <a:p>
             <a:fld id="{AA4CDE3C-BD7D-9942-B7A6-90608BB1F91F}" type="datetimeFigureOut">
               <a:rPr lang="en-US" smtClean="0"/>
-              <a:t>7/17/13</a:t>
+              <a:t>7/18/13</a:t>
             </a:fld>
             <a:endParaRPr lang="en-US"/>
           </a:p>
@@ -1509,7 +1643,7 @@
           <a:p>
             <a:fld id="{AA4CDE3C-BD7D-9942-B7A6-90608BB1F91F}" type="datetimeFigureOut">
               <a:rPr lang="en-US" smtClean="0"/>
-              <a:t>7/17/13</a:t>
+              <a:t>7/18/13</a:t>
             </a:fld>
             <a:endParaRPr lang="en-US"/>
           </a:p>
@@ -1689,7 +1823,7 @@
           <a:p>
             <a:fld id="{AA4CDE3C-BD7D-9942-B7A6-90608BB1F91F}" type="datetimeFigureOut">
               <a:rPr lang="en-US" smtClean="0"/>
-              <a:t>7/17/13</a:t>
+              <a:t>7/18/13</a:t>
             </a:fld>
             <a:endParaRPr lang="en-US"/>
           </a:p>
@@ -1859,7 +1993,7 @@
           <a:p>
             <a:fld id="{AA4CDE3C-BD7D-9942-B7A6-90608BB1F91F}" type="datetimeFigureOut">
               <a:rPr lang="en-US" smtClean="0"/>
-              <a:t>7/17/13</a:t>
+              <a:t>7/18/13</a:t>
             </a:fld>
             <a:endParaRPr lang="en-US"/>
           </a:p>
@@ -2105,7 +2239,7 @@
           <a:p>
             <a:fld id="{AA4CDE3C-BD7D-9942-B7A6-90608BB1F91F}" type="datetimeFigureOut">
               <a:rPr lang="en-US" smtClean="0"/>
-              <a:t>7/17/13</a:t>
+              <a:t>7/18/13</a:t>
             </a:fld>
             <a:endParaRPr lang="en-US"/>
           </a:p>
@@ -2393,7 +2527,7 @@
           <a:p>
             <a:fld id="{AA4CDE3C-BD7D-9942-B7A6-90608BB1F91F}" type="datetimeFigureOut">
               <a:rPr lang="en-US" smtClean="0"/>
-              <a:t>7/17/13</a:t>
+              <a:t>7/18/13</a:t>
             </a:fld>
             <a:endParaRPr lang="en-US"/>
           </a:p>
@@ -2815,7 +2949,7 @@
           <a:p>
             <a:fld id="{AA4CDE3C-BD7D-9942-B7A6-90608BB1F91F}" type="datetimeFigureOut">
               <a:rPr lang="en-US" smtClean="0"/>
-              <a:t>7/17/13</a:t>
+              <a:t>7/18/13</a:t>
             </a:fld>
             <a:endParaRPr lang="en-US"/>
           </a:p>
@@ -2933,7 +3067,7 @@
           <a:p>
             <a:fld id="{AA4CDE3C-BD7D-9942-B7A6-90608BB1F91F}" type="datetimeFigureOut">
               <a:rPr lang="en-US" smtClean="0"/>
-              <a:t>7/17/13</a:t>
+              <a:t>7/18/13</a:t>
             </a:fld>
             <a:endParaRPr lang="en-US"/>
           </a:p>
@@ -3028,7 +3162,7 @@
           <a:p>
             <a:fld id="{AA4CDE3C-BD7D-9942-B7A6-90608BB1F91F}" type="datetimeFigureOut">
               <a:rPr lang="en-US" smtClean="0"/>
-              <a:t>7/17/13</a:t>
+              <a:t>7/18/13</a:t>
             </a:fld>
             <a:endParaRPr lang="en-US"/>
           </a:p>
@@ -3305,7 +3439,7 @@
           <a:p>
             <a:fld id="{AA4CDE3C-BD7D-9942-B7A6-90608BB1F91F}" type="datetimeFigureOut">
               <a:rPr lang="en-US" smtClean="0"/>
-              <a:t>7/17/13</a:t>
+              <a:t>7/18/13</a:t>
             </a:fld>
             <a:endParaRPr lang="en-US"/>
           </a:p>
@@ -3558,7 +3692,7 @@
           <a:p>
             <a:fld id="{AA4CDE3C-BD7D-9942-B7A6-90608BB1F91F}" type="datetimeFigureOut">
               <a:rPr lang="en-US" smtClean="0"/>
-              <a:t>7/17/13</a:t>
+              <a:t>7/18/13</a:t>
             </a:fld>
             <a:endParaRPr lang="en-US"/>
           </a:p>
@@ -3771,7 +3905,7 @@
           <a:p>
             <a:fld id="{AA4CDE3C-BD7D-9942-B7A6-90608BB1F91F}" type="datetimeFigureOut">
               <a:rPr lang="en-US" smtClean="0"/>
-              <a:t>7/17/13</a:t>
+              <a:t>7/18/13</a:t>
             </a:fld>
             <a:endParaRPr lang="en-US"/>
           </a:p>
@@ -4280,6 +4414,762 @@
 </p:sld>
 </file>
 
+<file path=ppt/slides/slide10.xml><?xml version="1.0" encoding="utf-8"?>
+<p:sld xmlns:a="http://schemas.openxmlformats.org/drawingml/2006/main" xmlns:r="http://schemas.openxmlformats.org/officeDocument/2006/relationships" xmlns:p="http://schemas.openxmlformats.org/presentationml/2006/main">
+  <p:cSld>
+    <p:spTree>
+      <p:nvGrpSpPr>
+        <p:cNvPr id="1" name=""/>
+        <p:cNvGrpSpPr/>
+        <p:nvPr/>
+      </p:nvGrpSpPr>
+      <p:grpSpPr>
+        <a:xfrm>
+          <a:off x="0" y="0"/>
+          <a:ext cx="0" cy="0"/>
+          <a:chOff x="0" y="0"/>
+          <a:chExt cx="0" cy="0"/>
+        </a:xfrm>
+      </p:grpSpPr>
+      <p:sp>
+        <p:nvSpPr>
+          <p:cNvPr id="2" name="Title 1"/>
+          <p:cNvSpPr>
+            <a:spLocks noGrp="1"/>
+          </p:cNvSpPr>
+          <p:nvPr>
+            <p:ph type="title"/>
+          </p:nvPr>
+        </p:nvSpPr>
+        <p:spPr>
+          <a:xfrm>
+            <a:off x="457200" y="274639"/>
+            <a:ext cx="8229600" cy="582612"/>
+          </a:xfrm>
+        </p:spPr>
+        <p:txBody>
+          <a:bodyPr>
+            <a:normAutofit/>
+          </a:bodyPr>
+          <a:lstStyle/>
+          <a:p>
+            <a:r>
+              <a:rPr lang="en-US" sz="2400" dirty="0" smtClean="0"/>
+              <a:t>Notable Code Example (1 cont.)</a:t>
+            </a:r>
+            <a:endParaRPr lang="en-US" sz="2400" dirty="0"/>
+          </a:p>
+        </p:txBody>
+      </p:sp>
+      <p:pic>
+        <p:nvPicPr>
+          <p:cNvPr id="4" name="Content Placeholder 3" descr="Screen Shot 2013-07-19 at 12.02.35 AM.png"/>
+          <p:cNvPicPr>
+            <a:picLocks noGrp="1" noChangeAspect="1"/>
+          </p:cNvPicPr>
+          <p:nvPr>
+            <p:ph idx="1"/>
+          </p:nvPr>
+        </p:nvPicPr>
+        <p:blipFill rotWithShape="1">
+          <a:blip r:embed="rId3">
+            <a:extLst>
+              <a:ext uri="{28A0092B-C50C-407E-A947-70E740481C1C}">
+                <a14:useLocalDpi xmlns:a14="http://schemas.microsoft.com/office/drawing/2010/main" val="0"/>
+              </a:ext>
+            </a:extLst>
+          </a:blip>
+          <a:srcRect r="3304"/>
+          <a:stretch/>
+        </p:blipFill>
+        <p:spPr>
+          <a:xfrm>
+            <a:off x="1193800" y="857250"/>
+            <a:ext cx="6508750" cy="5635625"/>
+          </a:xfrm>
+        </p:spPr>
+      </p:pic>
+      <p:sp>
+        <p:nvSpPr>
+          <p:cNvPr id="6" name="TextBox 5"/>
+          <p:cNvSpPr txBox="1"/>
+          <p:nvPr/>
+        </p:nvSpPr>
+        <p:spPr>
+          <a:xfrm>
+            <a:off x="5842000" y="1587500"/>
+            <a:ext cx="2714625" cy="2308324"/>
+          </a:xfrm>
+          <a:prstGeom prst="rect">
+            <a:avLst/>
+          </a:prstGeom>
+          <a:solidFill>
+            <a:srgbClr val="BFBFBF"/>
+          </a:solidFill>
+        </p:spPr>
+        <p:txBody>
+          <a:bodyPr wrap="square" rtlCol="0">
+            <a:spAutoFit/>
+          </a:bodyPr>
+          <a:lstStyle/>
+          <a:p>
+            <a:r>
+              <a:rPr lang="en-US" dirty="0" smtClean="0"/>
+              <a:t>Every RPC Callback had an </a:t>
+            </a:r>
+            <a:r>
+              <a:rPr lang="en-US" dirty="0" err="1" smtClean="0"/>
+              <a:t>OnFailure</a:t>
+            </a:r>
+            <a:r>
+              <a:rPr lang="en-US" dirty="0" smtClean="0"/>
+              <a:t>() and an </a:t>
+            </a:r>
+            <a:r>
+              <a:rPr lang="en-US" dirty="0" err="1" smtClean="0"/>
+              <a:t>OnSuccess</a:t>
+            </a:r>
+            <a:r>
+              <a:rPr lang="en-US" dirty="0" smtClean="0"/>
+              <a:t>() method in order to seamlessly handle any unexpected and boundary cases that might cause errors while running server side code</a:t>
+            </a:r>
+            <a:endParaRPr lang="en-US" dirty="0"/>
+          </a:p>
+        </p:txBody>
+      </p:sp>
+    </p:spTree>
+    <p:extLst>
+      <p:ext uri="{BB962C8B-B14F-4D97-AF65-F5344CB8AC3E}">
+        <p14:creationId xmlns:p14="http://schemas.microsoft.com/office/powerpoint/2010/main" val="3313027592"/>
+      </p:ext>
+    </p:extLst>
+  </p:cSld>
+  <p:clrMapOvr>
+    <a:masterClrMapping/>
+  </p:clrMapOvr>
+</p:sld>
+</file>
+
+<file path=ppt/slides/slide11.xml><?xml version="1.0" encoding="utf-8"?>
+<p:sld xmlns:a="http://schemas.openxmlformats.org/drawingml/2006/main" xmlns:r="http://schemas.openxmlformats.org/officeDocument/2006/relationships" xmlns:p="http://schemas.openxmlformats.org/presentationml/2006/main">
+  <p:cSld>
+    <p:spTree>
+      <p:nvGrpSpPr>
+        <p:cNvPr id="1" name=""/>
+        <p:cNvGrpSpPr/>
+        <p:nvPr/>
+      </p:nvGrpSpPr>
+      <p:grpSpPr>
+        <a:xfrm>
+          <a:off x="0" y="0"/>
+          <a:ext cx="0" cy="0"/>
+          <a:chOff x="0" y="0"/>
+          <a:chExt cx="0" cy="0"/>
+        </a:xfrm>
+      </p:grpSpPr>
+      <p:sp>
+        <p:nvSpPr>
+          <p:cNvPr id="2" name="Title 1"/>
+          <p:cNvSpPr>
+            <a:spLocks noGrp="1"/>
+          </p:cNvSpPr>
+          <p:nvPr>
+            <p:ph type="title"/>
+          </p:nvPr>
+        </p:nvSpPr>
+        <p:spPr>
+          <a:xfrm>
+            <a:off x="457200" y="274638"/>
+            <a:ext cx="8229600" cy="868362"/>
+          </a:xfrm>
+        </p:spPr>
+        <p:txBody>
+          <a:bodyPr>
+            <a:normAutofit/>
+          </a:bodyPr>
+          <a:lstStyle/>
+          <a:p>
+            <a:r>
+              <a:rPr lang="en-US" sz="2400" dirty="0"/>
+              <a:t>Notable Code Example </a:t>
+            </a:r>
+            <a:r>
+              <a:rPr lang="en-US" sz="2400" dirty="0" smtClean="0"/>
+              <a:t>(2)</a:t>
+            </a:r>
+            <a:endParaRPr lang="en-US" sz="2400" dirty="0"/>
+          </a:p>
+        </p:txBody>
+      </p:sp>
+      <p:pic>
+        <p:nvPicPr>
+          <p:cNvPr id="8" name="Content Placeholder 7" descr="Screen Shot 2013-07-19 at 12.28.59 AM.png"/>
+          <p:cNvPicPr>
+            <a:picLocks noGrp="1" noChangeAspect="1"/>
+          </p:cNvPicPr>
+          <p:nvPr>
+            <p:ph idx="1"/>
+          </p:nvPr>
+        </p:nvPicPr>
+        <p:blipFill rotWithShape="1">
+          <a:blip r:embed="rId2">
+            <a:extLst>
+              <a:ext uri="{28A0092B-C50C-407E-A947-70E740481C1C}">
+                <a14:useLocalDpi xmlns:a14="http://schemas.microsoft.com/office/drawing/2010/main" val="0"/>
+              </a:ext>
+            </a:extLst>
+          </a:blip>
+          <a:srcRect l="-348" t="4828" r="588"/>
+          <a:stretch/>
+        </p:blipFill>
+        <p:spPr>
+          <a:xfrm>
+            <a:off x="0" y="3335338"/>
+            <a:ext cx="9144001" cy="3443287"/>
+          </a:xfrm>
+        </p:spPr>
+      </p:pic>
+      <p:sp>
+        <p:nvSpPr>
+          <p:cNvPr id="10" name="TextBox 9"/>
+          <p:cNvSpPr txBox="1"/>
+          <p:nvPr/>
+        </p:nvSpPr>
+        <p:spPr>
+          <a:xfrm>
+            <a:off x="285750" y="1088122"/>
+            <a:ext cx="5873750" cy="646331"/>
+          </a:xfrm>
+          <a:prstGeom prst="rect">
+            <a:avLst/>
+          </a:prstGeom>
+          <a:noFill/>
+        </p:spPr>
+        <p:txBody>
+          <a:bodyPr wrap="square" rtlCol="0">
+            <a:spAutoFit/>
+          </a:bodyPr>
+          <a:lstStyle/>
+          <a:p>
+            <a:r>
+              <a:rPr lang="en-US" dirty="0" smtClean="0"/>
+              <a:t>The code below highlights one of the application’s ‘novel’ features: social media integration. </a:t>
+            </a:r>
+            <a:endParaRPr lang="en-US" dirty="0"/>
+          </a:p>
+        </p:txBody>
+      </p:sp>
+      <p:sp>
+        <p:nvSpPr>
+          <p:cNvPr id="11" name="TextBox 10"/>
+          <p:cNvSpPr txBox="1"/>
+          <p:nvPr/>
+        </p:nvSpPr>
+        <p:spPr>
+          <a:xfrm>
+            <a:off x="127000" y="2063969"/>
+            <a:ext cx="3714750" cy="923330"/>
+          </a:xfrm>
+          <a:prstGeom prst="rect">
+            <a:avLst/>
+          </a:prstGeom>
+          <a:solidFill>
+            <a:srgbClr val="BFBFBF"/>
+          </a:solidFill>
+        </p:spPr>
+        <p:txBody>
+          <a:bodyPr wrap="square" rtlCol="0">
+            <a:spAutoFit/>
+          </a:bodyPr>
+          <a:lstStyle/>
+          <a:p>
+            <a:r>
+              <a:rPr lang="en-US" dirty="0"/>
+              <a:t>Code to get Friends list from Facebook. </a:t>
+            </a:r>
+            <a:r>
+              <a:rPr lang="en-US" dirty="0" err="1" smtClean="0"/>
+              <a:t>OnSuccess</a:t>
+            </a:r>
+            <a:r>
+              <a:rPr lang="en-US" dirty="0" smtClean="0"/>
+              <a:t>(), </a:t>
+            </a:r>
+            <a:r>
+              <a:rPr lang="en-US" dirty="0"/>
+              <a:t>the </a:t>
+            </a:r>
+            <a:r>
+              <a:rPr lang="en-US" dirty="0" err="1"/>
+              <a:t>JSONObject</a:t>
+            </a:r>
+            <a:r>
+              <a:rPr lang="en-US" dirty="0"/>
+              <a:t> that is returned is parsed</a:t>
+            </a:r>
+          </a:p>
+        </p:txBody>
+      </p:sp>
+      <p:cxnSp>
+        <p:nvCxnSpPr>
+          <p:cNvPr id="13" name="Straight Arrow Connector 12"/>
+          <p:cNvCxnSpPr/>
+          <p:nvPr/>
+        </p:nvCxnSpPr>
+        <p:spPr>
+          <a:xfrm>
+            <a:off x="904875" y="2987299"/>
+            <a:ext cx="0" cy="348039"/>
+          </a:xfrm>
+          <a:prstGeom prst="straightConnector1">
+            <a:avLst/>
+          </a:prstGeom>
+          <a:ln w="38100" cmpd="sng">
+            <a:solidFill>
+              <a:srgbClr val="FF0000"/>
+            </a:solidFill>
+            <a:tailEnd type="arrow"/>
+          </a:ln>
+        </p:spPr>
+        <p:style>
+          <a:lnRef idx="2">
+            <a:schemeClr val="accent1"/>
+          </a:lnRef>
+          <a:fillRef idx="0">
+            <a:schemeClr val="accent1"/>
+          </a:fillRef>
+          <a:effectRef idx="1">
+            <a:schemeClr val="accent1"/>
+          </a:effectRef>
+          <a:fontRef idx="minor">
+            <a:schemeClr val="tx1"/>
+          </a:fontRef>
+        </p:style>
+      </p:cxnSp>
+      <p:sp>
+        <p:nvSpPr>
+          <p:cNvPr id="15" name="TextBox 14"/>
+          <p:cNvSpPr txBox="1"/>
+          <p:nvPr/>
+        </p:nvSpPr>
+        <p:spPr>
+          <a:xfrm>
+            <a:off x="5143500" y="1751231"/>
+            <a:ext cx="3829050" cy="1477328"/>
+          </a:xfrm>
+          <a:prstGeom prst="rect">
+            <a:avLst/>
+          </a:prstGeom>
+          <a:solidFill>
+            <a:srgbClr val="BFBFBF"/>
+          </a:solidFill>
+        </p:spPr>
+        <p:txBody>
+          <a:bodyPr wrap="square" rtlCol="0">
+            <a:spAutoFit/>
+          </a:bodyPr>
+          <a:lstStyle/>
+          <a:p>
+            <a:r>
+              <a:rPr lang="en-US" dirty="0" smtClean="0"/>
+              <a:t>Code </a:t>
+            </a:r>
+            <a:r>
+              <a:rPr lang="en-US" dirty="0"/>
+              <a:t>that </a:t>
+            </a:r>
+            <a:r>
+              <a:rPr lang="en-US" dirty="0" smtClean="0"/>
+              <a:t>‘re-paints’ </a:t>
+            </a:r>
+            <a:r>
+              <a:rPr lang="en-US" dirty="0"/>
+              <a:t>the graph </a:t>
+            </a:r>
+            <a:r>
+              <a:rPr lang="en-US" dirty="0" smtClean="0"/>
+              <a:t>every time </a:t>
+            </a:r>
+            <a:r>
+              <a:rPr lang="en-US" dirty="0"/>
+              <a:t>a food item is inserted into Food Log. </a:t>
+            </a:r>
+            <a:r>
+              <a:rPr lang="en-US" dirty="0" err="1"/>
+              <a:t>onLoadCallBack</a:t>
+            </a:r>
+            <a:r>
+              <a:rPr lang="en-US" dirty="0"/>
+              <a:t> Runnable is called at every </a:t>
+            </a:r>
+            <a:r>
+              <a:rPr lang="en-US" dirty="0" err="1"/>
+              <a:t>onSuccess</a:t>
+            </a:r>
+            <a:r>
+              <a:rPr lang="en-US" dirty="0"/>
+              <a:t> for </a:t>
+            </a:r>
+            <a:r>
+              <a:rPr lang="en-US" dirty="0" err="1"/>
+              <a:t>InsertFoodLog</a:t>
+            </a:r>
+            <a:r>
+              <a:rPr lang="en-US" dirty="0"/>
+              <a:t> </a:t>
+            </a:r>
+            <a:r>
+              <a:rPr lang="en-US" dirty="0" err="1"/>
+              <a:t>async</a:t>
+            </a:r>
+            <a:r>
+              <a:rPr lang="en-US" dirty="0"/>
+              <a:t> method </a:t>
+            </a:r>
+            <a:r>
+              <a:rPr lang="en-US" dirty="0" smtClean="0"/>
+              <a:t>call</a:t>
+            </a:r>
+            <a:endParaRPr lang="en-US" dirty="0"/>
+          </a:p>
+        </p:txBody>
+      </p:sp>
+      <p:cxnSp>
+        <p:nvCxnSpPr>
+          <p:cNvPr id="17" name="Straight Arrow Connector 16"/>
+          <p:cNvCxnSpPr>
+            <a:stCxn id="15" idx="1"/>
+          </p:cNvCxnSpPr>
+          <p:nvPr/>
+        </p:nvCxnSpPr>
+        <p:spPr>
+          <a:xfrm flipH="1">
+            <a:off x="4079875" y="2489895"/>
+            <a:ext cx="1063625" cy="1415355"/>
+          </a:xfrm>
+          <a:prstGeom prst="straightConnector1">
+            <a:avLst/>
+          </a:prstGeom>
+          <a:ln w="57150" cmpd="sng">
+            <a:solidFill>
+              <a:srgbClr val="FF0000"/>
+            </a:solidFill>
+            <a:tailEnd type="arrow"/>
+          </a:ln>
+        </p:spPr>
+        <p:style>
+          <a:lnRef idx="2">
+            <a:schemeClr val="accent1"/>
+          </a:lnRef>
+          <a:fillRef idx="0">
+            <a:schemeClr val="accent1"/>
+          </a:fillRef>
+          <a:effectRef idx="1">
+            <a:schemeClr val="accent1"/>
+          </a:effectRef>
+          <a:fontRef idx="minor">
+            <a:schemeClr val="tx1"/>
+          </a:fontRef>
+        </p:style>
+      </p:cxnSp>
+    </p:spTree>
+    <p:extLst>
+      <p:ext uri="{BB962C8B-B14F-4D97-AF65-F5344CB8AC3E}">
+        <p14:creationId xmlns:p14="http://schemas.microsoft.com/office/powerpoint/2010/main" val="1755553086"/>
+      </p:ext>
+    </p:extLst>
+  </p:cSld>
+  <p:clrMapOvr>
+    <a:masterClrMapping/>
+  </p:clrMapOvr>
+</p:sld>
+</file>
+
+<file path=ppt/slides/slide12.xml><?xml version="1.0" encoding="utf-8"?>
+<p:sld xmlns:a="http://schemas.openxmlformats.org/drawingml/2006/main" xmlns:r="http://schemas.openxmlformats.org/officeDocument/2006/relationships" xmlns:p="http://schemas.openxmlformats.org/presentationml/2006/main">
+  <p:cSld>
+    <p:spTree>
+      <p:nvGrpSpPr>
+        <p:cNvPr id="1" name=""/>
+        <p:cNvGrpSpPr/>
+        <p:nvPr/>
+      </p:nvGrpSpPr>
+      <p:grpSpPr>
+        <a:xfrm>
+          <a:off x="0" y="0"/>
+          <a:ext cx="0" cy="0"/>
+          <a:chOff x="0" y="0"/>
+          <a:chExt cx="0" cy="0"/>
+        </a:xfrm>
+      </p:grpSpPr>
+      <p:sp>
+        <p:nvSpPr>
+          <p:cNvPr id="2" name="Title 1"/>
+          <p:cNvSpPr>
+            <a:spLocks noGrp="1"/>
+          </p:cNvSpPr>
+          <p:nvPr>
+            <p:ph type="title"/>
+          </p:nvPr>
+        </p:nvSpPr>
+        <p:spPr/>
+        <p:txBody>
+          <a:bodyPr/>
+          <a:lstStyle/>
+          <a:p>
+            <a:r>
+              <a:rPr lang="en-US" dirty="0" smtClean="0"/>
+              <a:t>Main Design Patterns Used</a:t>
+            </a:r>
+            <a:endParaRPr lang="en-US" dirty="0"/>
+          </a:p>
+        </p:txBody>
+      </p:sp>
+      <p:sp>
+        <p:nvSpPr>
+          <p:cNvPr id="3" name="Content Placeholder 2"/>
+          <p:cNvSpPr>
+            <a:spLocks noGrp="1"/>
+          </p:cNvSpPr>
+          <p:nvPr>
+            <p:ph idx="1"/>
+          </p:nvPr>
+        </p:nvSpPr>
+        <p:spPr/>
+        <p:txBody>
+          <a:bodyPr/>
+          <a:lstStyle/>
+          <a:p>
+            <a:r>
+              <a:rPr lang="en-US" dirty="0" smtClean="0"/>
+              <a:t>Composite (for widget creation)</a:t>
+            </a:r>
+          </a:p>
+          <a:p>
+            <a:r>
+              <a:rPr lang="en-US" dirty="0" smtClean="0"/>
+              <a:t>Singleton (for </a:t>
+            </a:r>
+            <a:r>
+              <a:rPr lang="en-US" dirty="0" err="1" smtClean="0"/>
+              <a:t>RootLayoutPanel</a:t>
+            </a:r>
+            <a:r>
+              <a:rPr lang="en-US" dirty="0" smtClean="0"/>
+              <a:t>)</a:t>
+            </a:r>
+          </a:p>
+          <a:p>
+            <a:r>
+              <a:rPr lang="en-US" dirty="0" smtClean="0"/>
+              <a:t>Facade (for server side method invocation)</a:t>
+            </a:r>
+            <a:endParaRPr lang="en-US" dirty="0"/>
+          </a:p>
+        </p:txBody>
+      </p:sp>
+    </p:spTree>
+    <p:extLst>
+      <p:ext uri="{BB962C8B-B14F-4D97-AF65-F5344CB8AC3E}">
+        <p14:creationId xmlns:p14="http://schemas.microsoft.com/office/powerpoint/2010/main" val="3127951280"/>
+      </p:ext>
+    </p:extLst>
+  </p:cSld>
+  <p:clrMapOvr>
+    <a:masterClrMapping/>
+  </p:clrMapOvr>
+</p:sld>
+</file>
+
+<file path=ppt/slides/slide13.xml><?xml version="1.0" encoding="utf-8"?>
+<p:sld xmlns:a="http://schemas.openxmlformats.org/drawingml/2006/main" xmlns:r="http://schemas.openxmlformats.org/officeDocument/2006/relationships" xmlns:p="http://schemas.openxmlformats.org/presentationml/2006/main">
+  <p:cSld>
+    <p:spTree>
+      <p:nvGrpSpPr>
+        <p:cNvPr id="1" name=""/>
+        <p:cNvGrpSpPr/>
+        <p:nvPr/>
+      </p:nvGrpSpPr>
+      <p:grpSpPr>
+        <a:xfrm>
+          <a:off x="0" y="0"/>
+          <a:ext cx="0" cy="0"/>
+          <a:chOff x="0" y="0"/>
+          <a:chExt cx="0" cy="0"/>
+        </a:xfrm>
+      </p:grpSpPr>
+      <p:sp>
+        <p:nvSpPr>
+          <p:cNvPr id="2" name="Title 1"/>
+          <p:cNvSpPr>
+            <a:spLocks noGrp="1"/>
+          </p:cNvSpPr>
+          <p:nvPr>
+            <p:ph type="title"/>
+          </p:nvPr>
+        </p:nvSpPr>
+        <p:spPr>
+          <a:xfrm>
+            <a:off x="457200" y="274638"/>
+            <a:ext cx="8229600" cy="868362"/>
+          </a:xfrm>
+        </p:spPr>
+        <p:txBody>
+          <a:bodyPr>
+            <a:normAutofit fontScale="90000"/>
+          </a:bodyPr>
+          <a:lstStyle/>
+          <a:p>
+            <a:r>
+              <a:rPr lang="en-US" dirty="0" smtClean="0"/>
+              <a:t>Nonfunctional </a:t>
+            </a:r>
+            <a:r>
+              <a:rPr lang="en-US" dirty="0"/>
+              <a:t>Requirements </a:t>
+            </a:r>
+            <a:r>
+              <a:rPr lang="en-US" dirty="0"/>
+              <a:t/>
+            </a:r>
+            <a:br>
+              <a:rPr lang="en-US" dirty="0"/>
+            </a:br>
+            <a:endParaRPr lang="en-US" dirty="0"/>
+          </a:p>
+        </p:txBody>
+      </p:sp>
+      <p:sp>
+        <p:nvSpPr>
+          <p:cNvPr id="3" name="Content Placeholder 2"/>
+          <p:cNvSpPr>
+            <a:spLocks noGrp="1"/>
+          </p:cNvSpPr>
+          <p:nvPr>
+            <p:ph idx="1"/>
+          </p:nvPr>
+        </p:nvSpPr>
+        <p:spPr>
+          <a:xfrm>
+            <a:off x="457200" y="1600200"/>
+            <a:ext cx="8229600" cy="4924425"/>
+          </a:xfrm>
+        </p:spPr>
+        <p:txBody>
+          <a:bodyPr>
+            <a:normAutofit fontScale="92500" lnSpcReduction="20000"/>
+          </a:bodyPr>
+          <a:lstStyle/>
+          <a:p>
+            <a:r>
+              <a:rPr lang="en-US" dirty="0" smtClean="0"/>
+              <a:t>Robustness</a:t>
+            </a:r>
+          </a:p>
+          <a:p>
+            <a:pPr lvl="1"/>
+            <a:r>
+              <a:rPr lang="en-US" dirty="0" err="1" smtClean="0"/>
+              <a:t>OnFailure</a:t>
+            </a:r>
+            <a:r>
+              <a:rPr lang="en-US" dirty="0" smtClean="0"/>
+              <a:t>() and </a:t>
+            </a:r>
+            <a:r>
+              <a:rPr lang="en-US" dirty="0" err="1" smtClean="0"/>
+              <a:t>OnSuccess</a:t>
+            </a:r>
+            <a:r>
+              <a:rPr lang="en-US" dirty="0" smtClean="0"/>
+              <a:t>() methods implemented for every RPC call</a:t>
+            </a:r>
+          </a:p>
+          <a:p>
+            <a:pPr lvl="1"/>
+            <a:r>
+              <a:rPr lang="en-US" dirty="0" smtClean="0"/>
+              <a:t>Error checking and prevention of duplicate registered users </a:t>
+            </a:r>
+            <a:r>
+              <a:rPr lang="en-US" sz="1600" dirty="0" smtClean="0"/>
+              <a:t>[see register() and </a:t>
+            </a:r>
+            <a:r>
+              <a:rPr lang="en-US" sz="1600" dirty="0" err="1" smtClean="0"/>
+              <a:t>authenticateUser</a:t>
+            </a:r>
+            <a:r>
+              <a:rPr lang="en-US" sz="1600" dirty="0" smtClean="0"/>
+              <a:t>() in </a:t>
+            </a:r>
+            <a:r>
+              <a:rPr lang="en-US" sz="1600" dirty="0" err="1" smtClean="0"/>
+              <a:t>DBConnectionServiceImpl.java</a:t>
+            </a:r>
+            <a:r>
+              <a:rPr lang="en-US" sz="1600" dirty="0" smtClean="0"/>
+              <a:t>]</a:t>
+            </a:r>
+          </a:p>
+          <a:p>
+            <a:pPr lvl="1"/>
+            <a:r>
+              <a:rPr lang="en-US" dirty="0" smtClean="0"/>
+              <a:t>Passwords stored in hashed format via </a:t>
+            </a:r>
+            <a:r>
+              <a:rPr lang="en-US" dirty="0" err="1" smtClean="0"/>
+              <a:t>Bcrypt</a:t>
+            </a:r>
+            <a:r>
+              <a:rPr lang="en-US" dirty="0" smtClean="0"/>
+              <a:t> framework </a:t>
+            </a:r>
+            <a:endParaRPr lang="en-US" sz="1600" dirty="0" smtClean="0"/>
+          </a:p>
+          <a:p>
+            <a:r>
+              <a:rPr lang="en-US" dirty="0" smtClean="0"/>
+              <a:t>Performance </a:t>
+            </a:r>
+          </a:p>
+          <a:p>
+            <a:pPr lvl="1"/>
+            <a:r>
+              <a:rPr lang="en-US" dirty="0" smtClean="0"/>
+              <a:t>Asynchronous callbacks used in order to communicate with the server</a:t>
+            </a:r>
+          </a:p>
+          <a:p>
+            <a:r>
+              <a:rPr lang="en-US" dirty="0" smtClean="0"/>
+              <a:t>Portability</a:t>
+            </a:r>
+          </a:p>
+          <a:p>
+            <a:pPr lvl="1"/>
+            <a:r>
+              <a:rPr lang="en-US" dirty="0" smtClean="0"/>
+              <a:t>GWT produces cross browser compatible</a:t>
+            </a:r>
+            <a:endParaRPr lang="en-US" dirty="0"/>
+          </a:p>
+        </p:txBody>
+      </p:sp>
+    </p:spTree>
+    <p:extLst>
+      <p:ext uri="{BB962C8B-B14F-4D97-AF65-F5344CB8AC3E}">
+        <p14:creationId xmlns:p14="http://schemas.microsoft.com/office/powerpoint/2010/main" val="2883151227"/>
+      </p:ext>
+    </p:extLst>
+  </p:cSld>
+  <p:clrMapOvr>
+    <a:masterClrMapping/>
+  </p:clrMapOvr>
+</p:sld>
+</file>
+
 <file path=ppt/slides/slide2.xml><?xml version="1.0" encoding="utf-8"?>
 <p:sld xmlns:a="http://schemas.openxmlformats.org/drawingml/2006/main" xmlns:r="http://schemas.openxmlformats.org/officeDocument/2006/relationships" xmlns:p="http://schemas.openxmlformats.org/presentationml/2006/main">
   <p:cSld>
@@ -4683,7 +5573,6 @@
               <a:rPr lang="en-US" dirty="0" smtClean="0"/>
               <a:t>Google Web Toolkit Visualizations API </a:t>
             </a:r>
-            <a:endParaRPr lang="en-US" dirty="0" smtClean="0"/>
           </a:p>
           <a:p>
             <a:pPr marL="285750" indent="-285750">
@@ -4700,13 +5589,8 @@
             </a:r>
             <a:r>
               <a:rPr lang="en-US" dirty="0" smtClean="0"/>
-              <a:t> Framework</a:t>
-            </a:r>
-            <a:r>
-              <a:rPr lang="en-US" dirty="0" smtClean="0"/>
-              <a:t> </a:t>
-            </a:r>
-            <a:endParaRPr lang="en-US" dirty="0" smtClean="0"/>
+              <a:t> Framework </a:t>
+            </a:r>
           </a:p>
           <a:p>
             <a:endParaRPr lang="en-US" dirty="0"/>
@@ -5298,6 +6182,238 @@
       </p:par>
     </p:tnLst>
   </p:timing>
+</p:sld>
+</file>
+
+<file path=ppt/slides/slide9.xml><?xml version="1.0" encoding="utf-8"?>
+<p:sld xmlns:a="http://schemas.openxmlformats.org/drawingml/2006/main" xmlns:r="http://schemas.openxmlformats.org/officeDocument/2006/relationships" xmlns:p="http://schemas.openxmlformats.org/presentationml/2006/main">
+  <p:cSld>
+    <p:spTree>
+      <p:nvGrpSpPr>
+        <p:cNvPr id="1" name=""/>
+        <p:cNvGrpSpPr/>
+        <p:nvPr/>
+      </p:nvGrpSpPr>
+      <p:grpSpPr>
+        <a:xfrm>
+          <a:off x="0" y="0"/>
+          <a:ext cx="0" cy="0"/>
+          <a:chOff x="0" y="0"/>
+          <a:chExt cx="0" cy="0"/>
+        </a:xfrm>
+      </p:grpSpPr>
+      <p:sp>
+        <p:nvSpPr>
+          <p:cNvPr id="2" name="Title 1"/>
+          <p:cNvSpPr>
+            <a:spLocks noGrp="1"/>
+          </p:cNvSpPr>
+          <p:nvPr>
+            <p:ph type="title"/>
+          </p:nvPr>
+        </p:nvSpPr>
+        <p:spPr>
+          <a:xfrm>
+            <a:off x="457200" y="274638"/>
+            <a:ext cx="8229600" cy="884237"/>
+          </a:xfrm>
+        </p:spPr>
+        <p:txBody>
+          <a:bodyPr>
+            <a:normAutofit/>
+          </a:bodyPr>
+          <a:lstStyle/>
+          <a:p>
+            <a:r>
+              <a:rPr lang="en-US" sz="2000" dirty="0"/>
+              <a:t>Notable Code Example (1 </a:t>
+            </a:r>
+            <a:r>
+              <a:rPr lang="en-US" sz="2000" dirty="0" err="1"/>
+              <a:t>contd</a:t>
+            </a:r>
+            <a:r>
+              <a:rPr lang="en-US" sz="2000" dirty="0"/>
+              <a:t>)</a:t>
+            </a:r>
+          </a:p>
+        </p:txBody>
+      </p:sp>
+      <p:pic>
+        <p:nvPicPr>
+          <p:cNvPr id="4" name="Content Placeholder 3" descr="Screen Shot 2013-07-19 at 12.07.04 AM.png"/>
+          <p:cNvPicPr>
+            <a:picLocks noGrp="1" noChangeAspect="1"/>
+          </p:cNvPicPr>
+          <p:nvPr>
+            <p:ph idx="1"/>
+          </p:nvPr>
+        </p:nvPicPr>
+        <p:blipFill rotWithShape="1">
+          <a:blip r:embed="rId2">
+            <a:extLst>
+              <a:ext uri="{28A0092B-C50C-407E-A947-70E740481C1C}">
+                <a14:useLocalDpi xmlns:a14="http://schemas.microsoft.com/office/drawing/2010/main" val="0"/>
+              </a:ext>
+            </a:extLst>
+          </a:blip>
+          <a:srcRect t="1964" b="10809"/>
+          <a:stretch/>
+        </p:blipFill>
+        <p:spPr>
+          <a:xfrm>
+            <a:off x="717550" y="1333499"/>
+            <a:ext cx="7969250" cy="1301751"/>
+          </a:xfrm>
+        </p:spPr>
+      </p:pic>
+      <p:sp>
+        <p:nvSpPr>
+          <p:cNvPr id="5" name="TextBox 4"/>
+          <p:cNvSpPr txBox="1"/>
+          <p:nvPr/>
+        </p:nvSpPr>
+        <p:spPr>
+          <a:xfrm>
+            <a:off x="1635125" y="2406580"/>
+            <a:ext cx="6731000" cy="1200329"/>
+          </a:xfrm>
+          <a:prstGeom prst="rect">
+            <a:avLst/>
+          </a:prstGeom>
+          <a:solidFill>
+            <a:schemeClr val="bg1">
+              <a:lumMod val="75000"/>
+            </a:schemeClr>
+          </a:solidFill>
+        </p:spPr>
+        <p:txBody>
+          <a:bodyPr wrap="square" rtlCol="0">
+            <a:spAutoFit/>
+          </a:bodyPr>
+          <a:lstStyle/>
+          <a:p>
+            <a:r>
+              <a:rPr lang="en-US" dirty="0" smtClean="0"/>
+              <a:t>The code above gives an example of the RPC call mechanism used to communicate with the server. The Facade design pattern was used to communicate with the server. An interface for all methods that talked to the server was created as shown below. </a:t>
+            </a:r>
+            <a:endParaRPr lang="en-US" dirty="0"/>
+          </a:p>
+        </p:txBody>
+      </p:sp>
+      <p:pic>
+        <p:nvPicPr>
+          <p:cNvPr id="6" name="Picture 5" descr="Screen Shot 2013-07-19 at 12.12.49 AM.png"/>
+          <p:cNvPicPr>
+            <a:picLocks noChangeAspect="1"/>
+          </p:cNvPicPr>
+          <p:nvPr/>
+        </p:nvPicPr>
+        <p:blipFill rotWithShape="1">
+          <a:blip r:embed="rId3">
+            <a:extLst>
+              <a:ext uri="{28A0092B-C50C-407E-A947-70E740481C1C}">
+                <a14:useLocalDpi xmlns:a14="http://schemas.microsoft.com/office/drawing/2010/main" val="0"/>
+              </a:ext>
+            </a:extLst>
+          </a:blip>
+          <a:srcRect r="5035" b="9630"/>
+          <a:stretch/>
+        </p:blipFill>
+        <p:spPr>
+          <a:xfrm>
+            <a:off x="190500" y="3606909"/>
+            <a:ext cx="8683625" cy="3128551"/>
+          </a:xfrm>
+          <a:prstGeom prst="rect">
+            <a:avLst/>
+          </a:prstGeom>
+        </p:spPr>
+      </p:pic>
+      <p:cxnSp>
+        <p:nvCxnSpPr>
+          <p:cNvPr id="9" name="Straight Arrow Connector 8"/>
+          <p:cNvCxnSpPr/>
+          <p:nvPr/>
+        </p:nvCxnSpPr>
+        <p:spPr>
+          <a:xfrm flipH="1" flipV="1">
+            <a:off x="1317625" y="2406580"/>
+            <a:ext cx="317500" cy="419170"/>
+          </a:xfrm>
+          <a:prstGeom prst="straightConnector1">
+            <a:avLst/>
+          </a:prstGeom>
+          <a:ln w="57150" cmpd="sng">
+            <a:solidFill>
+              <a:srgbClr val="FF0000"/>
+            </a:solidFill>
+            <a:tailEnd type="arrow"/>
+          </a:ln>
+        </p:spPr>
+        <p:style>
+          <a:lnRef idx="1">
+            <a:schemeClr val="accent2"/>
+          </a:lnRef>
+          <a:fillRef idx="0">
+            <a:schemeClr val="accent2"/>
+          </a:fillRef>
+          <a:effectRef idx="0">
+            <a:schemeClr val="accent2"/>
+          </a:effectRef>
+          <a:fontRef idx="minor">
+            <a:schemeClr val="tx1"/>
+          </a:fontRef>
+        </p:style>
+      </p:cxnSp>
+      <p:cxnSp>
+        <p:nvCxnSpPr>
+          <p:cNvPr id="11" name="Straight Arrow Connector 10"/>
+          <p:cNvCxnSpPr>
+            <a:stCxn id="5" idx="1"/>
+          </p:cNvCxnSpPr>
+          <p:nvPr/>
+        </p:nvCxnSpPr>
+        <p:spPr>
+          <a:xfrm flipH="1">
+            <a:off x="1127125" y="3006745"/>
+            <a:ext cx="508000" cy="454005"/>
+          </a:xfrm>
+          <a:prstGeom prst="straightConnector1">
+            <a:avLst/>
+          </a:prstGeom>
+          <a:ln w="57150" cmpd="sng">
+            <a:solidFill>
+              <a:srgbClr val="FF0000"/>
+            </a:solidFill>
+            <a:tailEnd type="arrow"/>
+          </a:ln>
+        </p:spPr>
+        <p:style>
+          <a:lnRef idx="2">
+            <a:schemeClr val="accent2"/>
+          </a:lnRef>
+          <a:fillRef idx="0">
+            <a:schemeClr val="accent2"/>
+          </a:fillRef>
+          <a:effectRef idx="1">
+            <a:schemeClr val="accent2"/>
+          </a:effectRef>
+          <a:fontRef idx="minor">
+            <a:schemeClr val="tx1"/>
+          </a:fontRef>
+        </p:style>
+      </p:cxnSp>
+    </p:spTree>
+    <p:extLst>
+      <p:ext uri="{BB962C8B-B14F-4D97-AF65-F5344CB8AC3E}">
+        <p14:creationId xmlns:p14="http://schemas.microsoft.com/office/powerpoint/2010/main" val="302330653"/>
+      </p:ext>
+    </p:extLst>
+  </p:cSld>
+  <p:clrMapOvr>
+    <a:masterClrMapping/>
+  </p:clrMapOvr>
 </p:sld>
 </file>
 
